--- a/后台系统上线说明-20171109.pptx
+++ b/后台系统上线说明-20171109.pptx
@@ -3507,16 +3507,32 @@
           </a:p>
         </p:txBody>
       </p:sp>
-      <p:sp>
-        <p:nvSpPr>
-          <p:cNvPr id="3" name="图片占位符 2"/>
-          <p:cNvSpPr/>
+      <p:pic>
+        <p:nvPicPr>
+          <p:cNvPr id="5" name="图片占位符 4"/>
+          <p:cNvPicPr>
+            <a:picLocks noChangeAspect="1"/>
+          </p:cNvPicPr>
           <p:nvPr>
             <p:ph type="pic" idx="1"/>
           </p:nvPr>
-        </p:nvSpPr>
-        <p:spPr/>
-      </p:sp>
+        </p:nvPicPr>
+        <p:blipFill>
+          <a:blip r:embed="rId1"/>
+          <a:stretch>
+            <a:fillRect/>
+          </a:stretch>
+        </p:blipFill>
+        <p:spPr>
+          <a:xfrm>
+            <a:off x="5183505" y="1062355"/>
+            <a:ext cx="6172200" cy="4723130"/>
+          </a:xfrm>
+          <a:prstGeom prst="rect">
+            <a:avLst/>
+          </a:prstGeom>
+        </p:spPr>
+      </p:pic>
     </p:spTree>
   </p:cSld>
   <p:clrMapOvr>
@@ -3780,11 +3796,7 @@
             </a:r>
             <a:r>
               <a:rPr lang="zh-CN" altLang="en-US"/>
-              <a:t>【二次审查</a:t>
-            </a:r>
-            <a:r>
-              <a:rPr lang="zh-CN" altLang="en-US"/>
-              <a:t>】</a:t>
+              <a:t>【二次审查】</a:t>
             </a:r>
             <a:endParaRPr lang="zh-CN" altLang="en-US"/>
           </a:p>
@@ -4230,11 +4242,7 @@
             </a:r>
             <a:r>
               <a:rPr lang="zh-CN" altLang="en-US"/>
-              <a:t>【套餐详情</a:t>
-            </a:r>
-            <a:r>
-              <a:rPr lang="zh-CN" altLang="en-US"/>
-              <a:t>】页面。</a:t>
+              <a:t>【套餐详情】页面。</a:t>
             </a:r>
             <a:endParaRPr lang="zh-CN" altLang="en-US"/>
           </a:p>
@@ -4515,11 +4523,7 @@
             </a:r>
             <a:r>
               <a:rPr lang="zh-CN" altLang="en-US"/>
-              <a:t>同浏览器中学员账号</a:t>
-            </a:r>
-            <a:r>
-              <a:rPr lang="zh-CN" altLang="en-US"/>
-              <a:t>未登陆时，需要进行登陆。</a:t>
+              <a:t>同浏览器中学员账号未登陆时，需要进行登陆。</a:t>
             </a:r>
             <a:endParaRPr lang="zh-CN" altLang="en-US"/>
           </a:p>
@@ -5104,11 +5108,7 @@
             </a:r>
             <a:r>
               <a:rPr lang="zh-CN" altLang="en-US"/>
-              <a:t>【公客列表</a:t>
-            </a:r>
-            <a:r>
-              <a:rPr lang="zh-CN" altLang="en-US"/>
-              <a:t>】</a:t>
+              <a:t>【公客列表】</a:t>
             </a:r>
             <a:endParaRPr lang="zh-CN" altLang="en-US"/>
           </a:p>
